--- a/doc/day12/WDAE-Slides-12.pptx
+++ b/doc/day12/WDAE-Slides-12.pptx
@@ -6347,11 +6347,7 @@
             </a:br>
             <a:r>
               <a:rPr lang="en-US" altLang="ja-JP" dirty="0" smtClean="0"/>
-              <a:t>therefore, we </a:t>
-            </a:r>
-            <a:r>
-              <a:rPr lang="en-US" altLang="ja-JP" smtClean="0"/>
-              <a:t>can reload the drawing of the past chats.</a:t>
+              <a:t>therefore, we can reload the drawing of the past chats.</a:t>
             </a:r>
           </a:p>
           <a:p>
